--- a/20Y005-Review 2.pptx
+++ b/20Y005-Review 2.pptx
@@ -12,7 +12,7 @@
     <p:sldId id="274" r:id="rId6"/>
     <p:sldId id="277" r:id="rId7"/>
     <p:sldId id="278" r:id="rId8"/>
-    <p:sldId id="279" r:id="rId9"/>
+    <p:sldId id="287" r:id="rId9"/>
     <p:sldId id="275" r:id="rId10"/>
     <p:sldId id="280" r:id="rId11"/>
     <p:sldId id="281" r:id="rId12"/>
@@ -278,7 +278,7 @@
           <a:p>
             <a:fld id="{48A87A34-81AB-432B-8DAE-1953F412C126}" type="datetimeFigureOut">
               <a:rPr lang="en-US" smtClean="0"/>
-              <a:t>4/27/2022</a:t>
+              <a:t>5/9/2022</a:t>
             </a:fld>
             <a:endParaRPr lang="en-US" dirty="0"/>
           </a:p>
@@ -478,7 +478,7 @@
           <a:p>
             <a:fld id="{48A87A34-81AB-432B-8DAE-1953F412C126}" type="datetimeFigureOut">
               <a:rPr lang="en-US" smtClean="0"/>
-              <a:t>4/27/2022</a:t>
+              <a:t>5/9/2022</a:t>
             </a:fld>
             <a:endParaRPr lang="en-US" dirty="0"/>
           </a:p>
@@ -688,7 +688,7 @@
           <a:p>
             <a:fld id="{48A87A34-81AB-432B-8DAE-1953F412C126}" type="datetimeFigureOut">
               <a:rPr lang="en-US" smtClean="0"/>
-              <a:t>4/27/2022</a:t>
+              <a:t>5/9/2022</a:t>
             </a:fld>
             <a:endParaRPr lang="en-US" dirty="0"/>
           </a:p>
@@ -888,7 +888,7 @@
           <a:p>
             <a:fld id="{48A87A34-81AB-432B-8DAE-1953F412C126}" type="datetimeFigureOut">
               <a:rPr lang="en-US" smtClean="0"/>
-              <a:t>4/27/2022</a:t>
+              <a:t>5/9/2022</a:t>
             </a:fld>
             <a:endParaRPr lang="en-US" dirty="0"/>
           </a:p>
@@ -1164,7 +1164,7 @@
           <a:p>
             <a:fld id="{48A87A34-81AB-432B-8DAE-1953F412C126}" type="datetimeFigureOut">
               <a:rPr lang="en-US" smtClean="0"/>
-              <a:t>4/27/2022</a:t>
+              <a:t>5/9/2022</a:t>
             </a:fld>
             <a:endParaRPr lang="en-US" dirty="0"/>
           </a:p>
@@ -1432,7 +1432,7 @@
           <a:p>
             <a:fld id="{48A87A34-81AB-432B-8DAE-1953F412C126}" type="datetimeFigureOut">
               <a:rPr lang="en-US" smtClean="0"/>
-              <a:t>4/27/2022</a:t>
+              <a:t>5/9/2022</a:t>
             </a:fld>
             <a:endParaRPr lang="en-US" dirty="0"/>
           </a:p>
@@ -1847,7 +1847,7 @@
           <a:p>
             <a:fld id="{48A87A34-81AB-432B-8DAE-1953F412C126}" type="datetimeFigureOut">
               <a:rPr lang="en-US" smtClean="0"/>
-              <a:t>4/27/2022</a:t>
+              <a:t>5/9/2022</a:t>
             </a:fld>
             <a:endParaRPr lang="en-US" dirty="0"/>
           </a:p>
@@ -1989,7 +1989,7 @@
           <a:p>
             <a:fld id="{48A87A34-81AB-432B-8DAE-1953F412C126}" type="datetimeFigureOut">
               <a:rPr lang="en-US" smtClean="0"/>
-              <a:t>4/27/2022</a:t>
+              <a:t>5/9/2022</a:t>
             </a:fld>
             <a:endParaRPr lang="en-US" dirty="0"/>
           </a:p>
@@ -2102,7 +2102,7 @@
           <a:p>
             <a:fld id="{48A87A34-81AB-432B-8DAE-1953F412C126}" type="datetimeFigureOut">
               <a:rPr lang="en-US" smtClean="0"/>
-              <a:t>4/27/2022</a:t>
+              <a:t>5/9/2022</a:t>
             </a:fld>
             <a:endParaRPr lang="en-US" dirty="0"/>
           </a:p>
@@ -2415,7 +2415,7 @@
           <a:p>
             <a:fld id="{48A87A34-81AB-432B-8DAE-1953F412C126}" type="datetimeFigureOut">
               <a:rPr lang="en-US" smtClean="0"/>
-              <a:t>4/27/2022</a:t>
+              <a:t>5/9/2022</a:t>
             </a:fld>
             <a:endParaRPr lang="en-US" dirty="0"/>
           </a:p>
@@ -2704,7 +2704,7 @@
           <a:p>
             <a:fld id="{48A87A34-81AB-432B-8DAE-1953F412C126}" type="datetimeFigureOut">
               <a:rPr lang="en-US" smtClean="0"/>
-              <a:t>4/27/2022</a:t>
+              <a:t>5/9/2022</a:t>
             </a:fld>
             <a:endParaRPr lang="en-US" dirty="0"/>
           </a:p>
@@ -2948,7 +2948,7 @@
             <a:fld id="{48A87A34-81AB-432B-8DAE-1953F412C126}" type="datetimeFigureOut">
               <a:rPr lang="en-US" smtClean="0"/>
               <a:pPr/>
-              <a:t>4/27/2022</a:t>
+              <a:t>5/9/2022</a:t>
             </a:fld>
             <a:endParaRPr lang="en-US" dirty="0"/>
           </a:p>
@@ -6548,7 +6548,7 @@
           <p:cNvPr id="2" name="Rectangle 1">
             <a:extLst>
               <a:ext uri="{FF2B5EF4-FFF2-40B4-BE49-F238E27FC236}">
-                <a16:creationId xmlns:a16="http://schemas.microsoft.com/office/drawing/2014/main" id="{B8271A1E-BCD9-446A-9EE7-3F92A1B8D6C5}"/>
+                <a16:creationId xmlns:a16="http://schemas.microsoft.com/office/drawing/2014/main" id="{472BCAD5-43A1-438C-8239-FF6C5215D32E}"/>
               </a:ext>
             </a:extLst>
           </p:cNvPr>
@@ -6596,10 +6596,10 @@
       </p:sp>
       <p:pic>
         <p:nvPicPr>
-          <p:cNvPr id="4" name="Picture 3">
-            <a:extLst>
-              <a:ext uri="{FF2B5EF4-FFF2-40B4-BE49-F238E27FC236}">
-                <a16:creationId xmlns:a16="http://schemas.microsoft.com/office/drawing/2014/main" id="{BECC109B-CAF7-400E-9F05-13E309AD2206}"/>
+          <p:cNvPr id="9" name="Picture 8">
+            <a:extLst>
+              <a:ext uri="{FF2B5EF4-FFF2-40B4-BE49-F238E27FC236}">
+                <a16:creationId xmlns:a16="http://schemas.microsoft.com/office/drawing/2014/main" id="{9E5A311D-198D-41F6-9A04-F9D6FA780E11}"/>
               </a:ext>
             </a:extLst>
           </p:cNvPr>
@@ -6616,8 +6616,8 @@
         </p:blipFill>
         <p:spPr>
           <a:xfrm>
-            <a:off x="1263464" y="760762"/>
-            <a:ext cx="9665071" cy="6018589"/>
+            <a:off x="1265582" y="919468"/>
+            <a:ext cx="9667461" cy="5633732"/>
           </a:xfrm>
           <a:prstGeom prst="rect">
             <a:avLst/>
@@ -6626,45 +6626,30 @@
       </p:pic>
       <p:sp>
         <p:nvSpPr>
-          <p:cNvPr id="5" name="Rectangle 4">
-            <a:extLst>
-              <a:ext uri="{FF2B5EF4-FFF2-40B4-BE49-F238E27FC236}">
-                <a16:creationId xmlns:a16="http://schemas.microsoft.com/office/drawing/2014/main" id="{F1E45E10-A7CA-4CA2-A1AA-C18FA5C8E57C}"/>
-              </a:ext>
-            </a:extLst>
-          </p:cNvPr>
-          <p:cNvSpPr/>
+          <p:cNvPr id="16" name="TextBox 15">
+            <a:extLst>
+              <a:ext uri="{FF2B5EF4-FFF2-40B4-BE49-F238E27FC236}">
+                <a16:creationId xmlns:a16="http://schemas.microsoft.com/office/drawing/2014/main" id="{976425FF-B860-4D2A-9585-E0383151DE64}"/>
+              </a:ext>
+            </a:extLst>
+          </p:cNvPr>
+          <p:cNvSpPr txBox="1"/>
           <p:nvPr/>
         </p:nvSpPr>
         <p:spPr>
           <a:xfrm>
-            <a:off x="1669773" y="1496257"/>
-            <a:ext cx="225287" cy="119269"/>
+            <a:off x="3168954" y="4296413"/>
+            <a:ext cx="473709" cy="369332"/>
           </a:xfrm>
           <a:prstGeom prst="rect">
             <a:avLst/>
           </a:prstGeom>
           <a:noFill/>
-          <a:ln>
-            <a:noFill/>
-          </a:ln>
         </p:spPr>
-        <p:style>
-          <a:lnRef idx="0">
-            <a:scrgbClr r="0" g="0" b="0"/>
-          </a:lnRef>
-          <a:fillRef idx="0">
-            <a:scrgbClr r="0" g="0" b="0"/>
-          </a:fillRef>
-          <a:effectRef idx="0">
-            <a:scrgbClr r="0" g="0" b="0"/>
-          </a:effectRef>
-          <a:fontRef idx="minor">
-            <a:schemeClr val="dk1"/>
-          </a:fontRef>
-        </p:style>
-        <p:txBody>
-          <a:bodyPr rtlCol="0" anchor="ctr"/>
+        <p:txBody>
+          <a:bodyPr wrap="square">
+            <a:spAutoFit/>
+          </a:bodyPr>
           <a:lstStyle/>
           <a:p>
             <a:pPr algn="ctr"/>
@@ -6678,10 +6663,10 @@
       </p:sp>
       <p:sp>
         <p:nvSpPr>
-          <p:cNvPr id="9" name="TextBox 8">
-            <a:extLst>
-              <a:ext uri="{FF2B5EF4-FFF2-40B4-BE49-F238E27FC236}">
-                <a16:creationId xmlns:a16="http://schemas.microsoft.com/office/drawing/2014/main" id="{4D59CBFB-6553-4D36-92A5-0BE8D8179BFF}"/>
+          <p:cNvPr id="17" name="TextBox 16">
+            <a:extLst>
+              <a:ext uri="{FF2B5EF4-FFF2-40B4-BE49-F238E27FC236}">
+                <a16:creationId xmlns:a16="http://schemas.microsoft.com/office/drawing/2014/main" id="{D842DFE6-C0F0-46B9-9E60-28F19BCD4513}"/>
               </a:ext>
             </a:extLst>
           </p:cNvPr>
@@ -6690,7 +6675,7 @@
         </p:nvSpPr>
         <p:spPr>
           <a:xfrm>
-            <a:off x="3286539" y="4407212"/>
+            <a:off x="1583634" y="1424234"/>
             <a:ext cx="238540" cy="369332"/>
           </a:xfrm>
           <a:prstGeom prst="rect">
@@ -6715,10 +6700,10 @@
       </p:sp>
       <p:sp>
         <p:nvSpPr>
-          <p:cNvPr id="11" name="TextBox 10">
-            <a:extLst>
-              <a:ext uri="{FF2B5EF4-FFF2-40B4-BE49-F238E27FC236}">
-                <a16:creationId xmlns:a16="http://schemas.microsoft.com/office/drawing/2014/main" id="{84D64DAC-84FE-4B17-B934-5E4A5739E4B2}"/>
+          <p:cNvPr id="18" name="TextBox 17">
+            <a:extLst>
+              <a:ext uri="{FF2B5EF4-FFF2-40B4-BE49-F238E27FC236}">
+                <a16:creationId xmlns:a16="http://schemas.microsoft.com/office/drawing/2014/main" id="{28FB348A-DCDC-46E1-AFE2-582EDB72482B}"/>
               </a:ext>
             </a:extLst>
           </p:cNvPr>
@@ -6727,8 +6712,8 @@
         </p:nvSpPr>
         <p:spPr>
           <a:xfrm>
-            <a:off x="5685183" y="4890917"/>
-            <a:ext cx="251791" cy="369332"/>
+            <a:off x="5539408" y="4750530"/>
+            <a:ext cx="238540" cy="369332"/>
           </a:xfrm>
           <a:prstGeom prst="rect">
             <a:avLst/>
@@ -6752,10 +6737,10 @@
       </p:sp>
       <p:sp>
         <p:nvSpPr>
-          <p:cNvPr id="13" name="TextBox 12">
-            <a:extLst>
-              <a:ext uri="{FF2B5EF4-FFF2-40B4-BE49-F238E27FC236}">
-                <a16:creationId xmlns:a16="http://schemas.microsoft.com/office/drawing/2014/main" id="{395F2FEA-B7DF-4692-9B6F-34DB37CD82B3}"/>
+          <p:cNvPr id="19" name="TextBox 18">
+            <a:extLst>
+              <a:ext uri="{FF2B5EF4-FFF2-40B4-BE49-F238E27FC236}">
+                <a16:creationId xmlns:a16="http://schemas.microsoft.com/office/drawing/2014/main" id="{E05CF61F-5993-411F-BF73-D2B46B7CE71F}"/>
               </a:ext>
             </a:extLst>
           </p:cNvPr>
@@ -6763,9 +6748,9 @@
           <p:nvPr/>
         </p:nvSpPr>
         <p:spPr>
-          <a:xfrm flipV="1">
-            <a:off x="8110329" y="1246194"/>
-            <a:ext cx="251791" cy="369332"/>
+          <a:xfrm>
+            <a:off x="7891670" y="1424234"/>
+            <a:ext cx="238540" cy="369332"/>
           </a:xfrm>
           <a:prstGeom prst="rect">
             <a:avLst/>
@@ -6790,7 +6775,7 @@
     </p:spTree>
     <p:extLst>
       <p:ext uri="{BB962C8B-B14F-4D97-AF65-F5344CB8AC3E}">
-        <p14:creationId xmlns:p14="http://schemas.microsoft.com/office/powerpoint/2010/main" val="684582274"/>
+        <p14:creationId xmlns:p14="http://schemas.microsoft.com/office/powerpoint/2010/main" val="3218873032"/>
       </p:ext>
     </p:extLst>
   </p:cSld>
